--- a/final.pptx
+++ b/final.pptx
@@ -133,6 +133,83 @@
     </p:ext>
   </p:extLst>
 </p:presentation>
+</file>
+
+<file path=ppt/revisionInfo.xml><?xml version="1.0" encoding="utf-8"?>
+<p1510:revInfo xmlns:a="http://schemas.openxmlformats.org/drawingml/2006/main" xmlns:r="http://schemas.openxmlformats.org/officeDocument/2006/relationships" xmlns:p1510="http://schemas.microsoft.com/office/powerpoint/2015/10/main">
+  <p1510:revLst>
+    <p1510:client id="{C9323288-5776-4E7D-B388-52C423957A82}" v="17" dt="2018-12-10T16:30:26.067"/>
+  </p1510:revLst>
+</p1510:revInfo>
+</file>
+
+<file path=ppt/changesInfos/changesInfo1.xml><?xml version="1.0" encoding="utf-8"?>
+<pc:chgInfo xmlns:a="http://schemas.openxmlformats.org/drawingml/2006/main" xmlns:r="http://schemas.openxmlformats.org/officeDocument/2006/relationships" xmlns:ac="http://schemas.microsoft.com/office/drawing/2013/main/command" xmlns:pc="http://schemas.microsoft.com/office/powerpoint/2013/main/command">
+  <pc:docChgLst>
+    <pc:chgData name="Shanglin Zou" userId="be6b61ec-d4d1-4013-9a1e-9b17367c4227" providerId="ADAL" clId="{C9323288-5776-4E7D-B388-52C423957A82}"/>
+    <pc:docChg chg="modSld">
+      <pc:chgData name="Shanglin Zou" userId="be6b61ec-d4d1-4013-9a1e-9b17367c4227" providerId="ADAL" clId="{C9323288-5776-4E7D-B388-52C423957A82}" dt="2018-12-10T16:30:26.067" v="23"/>
+      <pc:docMkLst>
+        <pc:docMk/>
+      </pc:docMkLst>
+      <pc:sldChg chg="addSp delSp modSp modAnim">
+        <pc:chgData name="Shanglin Zou" userId="be6b61ec-d4d1-4013-9a1e-9b17367c4227" providerId="ADAL" clId="{C9323288-5776-4E7D-B388-52C423957A82}" dt="2018-12-10T16:30:26.067" v="23"/>
+        <pc:sldMkLst>
+          <pc:docMk/>
+          <pc:sldMk cId="99627012" sldId="277"/>
+        </pc:sldMkLst>
+        <pc:spChg chg="del mod">
+          <ac:chgData name="Shanglin Zou" userId="be6b61ec-d4d1-4013-9a1e-9b17367c4227" providerId="ADAL" clId="{C9323288-5776-4E7D-B388-52C423957A82}" dt="2018-12-10T16:28:45.252" v="2"/>
+          <ac:spMkLst>
+            <pc:docMk/>
+            <pc:sldMk cId="99627012" sldId="277"/>
+            <ac:spMk id="6" creationId="{C2CA1B6A-A927-480B-957E-31D78704DDA0}"/>
+          </ac:spMkLst>
+        </pc:spChg>
+        <pc:spChg chg="add">
+          <ac:chgData name="Shanglin Zou" userId="be6b61ec-d4d1-4013-9a1e-9b17367c4227" providerId="ADAL" clId="{C9323288-5776-4E7D-B388-52C423957A82}" dt="2018-12-10T16:28:45.868" v="3"/>
+          <ac:spMkLst>
+            <pc:docMk/>
+            <pc:sldMk cId="99627012" sldId="277"/>
+            <ac:spMk id="10" creationId="{48DDD422-003F-4586-B925-717391514A09}"/>
+          </ac:spMkLst>
+        </pc:spChg>
+        <pc:spChg chg="add mod">
+          <ac:chgData name="Shanglin Zou" userId="be6b61ec-d4d1-4013-9a1e-9b17367c4227" providerId="ADAL" clId="{C9323288-5776-4E7D-B388-52C423957A82}" dt="2018-12-10T16:28:51.252" v="6" actId="20577"/>
+          <ac:spMkLst>
+            <pc:docMk/>
+            <pc:sldMk cId="99627012" sldId="277"/>
+            <ac:spMk id="11" creationId="{AC665E1F-0A3B-47DE-9E3D-4D8CEB0DE254}"/>
+          </ac:spMkLst>
+        </pc:spChg>
+        <pc:spChg chg="add mod">
+          <ac:chgData name="Shanglin Zou" userId="be6b61ec-d4d1-4013-9a1e-9b17367c4227" providerId="ADAL" clId="{C9323288-5776-4E7D-B388-52C423957A82}" dt="2018-12-10T16:28:57.972" v="9" actId="20577"/>
+          <ac:spMkLst>
+            <pc:docMk/>
+            <pc:sldMk cId="99627012" sldId="277"/>
+            <ac:spMk id="12" creationId="{CB1228EC-55B2-4487-AE1A-BA3B22F78281}"/>
+          </ac:spMkLst>
+        </pc:spChg>
+        <pc:spChg chg="add mod">
+          <ac:chgData name="Shanglin Zou" userId="be6b61ec-d4d1-4013-9a1e-9b17367c4227" providerId="ADAL" clId="{C9323288-5776-4E7D-B388-52C423957A82}" dt="2018-12-10T16:29:03.795" v="12" actId="20577"/>
+          <ac:spMkLst>
+            <pc:docMk/>
+            <pc:sldMk cId="99627012" sldId="277"/>
+            <ac:spMk id="13" creationId="{464F5322-8E26-4349-8ADF-E4C18029B9A8}"/>
+          </ac:spMkLst>
+        </pc:spChg>
+        <pc:spChg chg="add mod">
+          <ac:chgData name="Shanglin Zou" userId="be6b61ec-d4d1-4013-9a1e-9b17367c4227" providerId="ADAL" clId="{C9323288-5776-4E7D-B388-52C423957A82}" dt="2018-12-10T16:29:26.576" v="17" actId="1076"/>
+          <ac:spMkLst>
+            <pc:docMk/>
+            <pc:sldMk cId="99627012" sldId="277"/>
+            <ac:spMk id="14" creationId="{A3D78742-0F80-4155-9617-3FD2C3F49320}"/>
+          </ac:spMkLst>
+        </pc:spChg>
+      </pc:sldChg>
+    </pc:docChg>
+  </pc:docChgLst>
+</pc:chgInfo>
 </file>
 
 <file path=ppt/slideLayouts/slideLayout1.xml><?xml version="1.0" encoding="utf-8"?>
@@ -11426,46 +11503,6 @@
       </p:pic>
       <p:sp>
         <p:nvSpPr>
-          <p:cNvPr id="6" name="文本框 5">
-            <a:extLst>
-              <a:ext uri="{FF2B5EF4-FFF2-40B4-BE49-F238E27FC236}">
-                <a16:creationId xmlns:a16="http://schemas.microsoft.com/office/drawing/2014/main" id="{C2CA1B6A-A927-480B-957E-31D78704DDA0}"/>
-              </a:ext>
-            </a:extLst>
-          </p:cNvPr>
-          <p:cNvSpPr txBox="1"/>
-          <p:nvPr/>
-        </p:nvSpPr>
-        <p:spPr>
-          <a:xfrm>
-            <a:off x="1233996" y="692458"/>
-            <a:ext cx="1544012" cy="830997"/>
-          </a:xfrm>
-          <a:prstGeom prst="rect">
-            <a:avLst/>
-          </a:prstGeom>
-          <a:noFill/>
-        </p:spPr>
-        <p:txBody>
-          <a:bodyPr wrap="none" rtlCol="0">
-            <a:spAutoFit/>
-          </a:bodyPr>
-          <a:lstStyle/>
-          <a:p>
-            <a:r>
-              <a:rPr lang="en-US" altLang="zh-CN" sz="4800" dirty="0"/>
-              <a:t>I am </a:t>
-            </a:r>
-            <a:r>
-              <a:rPr lang="en-US" altLang="zh-CN" sz="4800" dirty="0" err="1"/>
-              <a:t>i</a:t>
-            </a:r>
-            <a:endParaRPr lang="zh-CN" altLang="en-US" sz="4800" dirty="0"/>
-          </a:p>
-        </p:txBody>
-      </p:sp>
-      <p:sp>
-        <p:nvSpPr>
           <p:cNvPr id="7" name="文本框 6">
             <a:extLst>
               <a:ext uri="{FF2B5EF4-FFF2-40B4-BE49-F238E27FC236}">
@@ -12105,6 +12142,186 @@
           </p:sp>
         </mc:Fallback>
       </mc:AlternateContent>
+      <p:sp>
+        <p:nvSpPr>
+          <p:cNvPr id="10" name="文本框 5">
+            <a:extLst>
+              <a:ext uri="{FF2B5EF4-FFF2-40B4-BE49-F238E27FC236}">
+                <a16:creationId xmlns:a16="http://schemas.microsoft.com/office/drawing/2014/main" id="{48DDD422-003F-4586-B925-717391514A09}"/>
+              </a:ext>
+            </a:extLst>
+          </p:cNvPr>
+          <p:cNvSpPr txBox="1"/>
+          <p:nvPr/>
+        </p:nvSpPr>
+        <p:spPr>
+          <a:xfrm>
+            <a:off x="2233908" y="677044"/>
+            <a:ext cx="319318" cy="830997"/>
+          </a:xfrm>
+          <a:prstGeom prst="rect">
+            <a:avLst/>
+          </a:prstGeom>
+          <a:noFill/>
+        </p:spPr>
+        <p:txBody>
+          <a:bodyPr wrap="none" rtlCol="0">
+            <a:spAutoFit/>
+          </a:bodyPr>
+          <a:lstStyle/>
+          <a:p>
+            <a:r>
+              <a:rPr lang="en-US" altLang="zh-CN" sz="4800" dirty="0" err="1"/>
+              <a:t>i</a:t>
+            </a:r>
+            <a:endParaRPr lang="zh-CN" altLang="en-US" sz="4800" dirty="0"/>
+          </a:p>
+        </p:txBody>
+      </p:sp>
+      <p:sp>
+        <p:nvSpPr>
+          <p:cNvPr id="11" name="文本框 5">
+            <a:extLst>
+              <a:ext uri="{FF2B5EF4-FFF2-40B4-BE49-F238E27FC236}">
+                <a16:creationId xmlns:a16="http://schemas.microsoft.com/office/drawing/2014/main" id="{AC665E1F-0A3B-47DE-9E3D-4D8CEB0DE254}"/>
+              </a:ext>
+            </a:extLst>
+          </p:cNvPr>
+          <p:cNvSpPr txBox="1"/>
+          <p:nvPr/>
+        </p:nvSpPr>
+        <p:spPr>
+          <a:xfrm>
+            <a:off x="3376209" y="6139675"/>
+            <a:ext cx="453970" cy="830997"/>
+          </a:xfrm>
+          <a:prstGeom prst="rect">
+            <a:avLst/>
+          </a:prstGeom>
+          <a:noFill/>
+        </p:spPr>
+        <p:txBody>
+          <a:bodyPr wrap="none" rtlCol="0">
+            <a:spAutoFit/>
+          </a:bodyPr>
+          <a:lstStyle/>
+          <a:p>
+            <a:r>
+              <a:rPr lang="en-US" altLang="zh-CN" sz="4800" dirty="0"/>
+              <a:t>k</a:t>
+            </a:r>
+            <a:endParaRPr lang="zh-CN" altLang="en-US" sz="4800" dirty="0"/>
+          </a:p>
+        </p:txBody>
+      </p:sp>
+      <p:sp>
+        <p:nvSpPr>
+          <p:cNvPr id="12" name="文本框 5">
+            <a:extLst>
+              <a:ext uri="{FF2B5EF4-FFF2-40B4-BE49-F238E27FC236}">
+                <a16:creationId xmlns:a16="http://schemas.microsoft.com/office/drawing/2014/main" id="{CB1228EC-55B2-4487-AE1A-BA3B22F78281}"/>
+              </a:ext>
+            </a:extLst>
+          </p:cNvPr>
+          <p:cNvSpPr txBox="1"/>
+          <p:nvPr/>
+        </p:nvSpPr>
+        <p:spPr>
+          <a:xfrm>
+            <a:off x="8033497" y="6079896"/>
+            <a:ext cx="595035" cy="830997"/>
+          </a:xfrm>
+          <a:prstGeom prst="rect">
+            <a:avLst/>
+          </a:prstGeom>
+          <a:noFill/>
+        </p:spPr>
+        <p:txBody>
+          <a:bodyPr wrap="none" rtlCol="0">
+            <a:spAutoFit/>
+          </a:bodyPr>
+          <a:lstStyle/>
+          <a:p>
+            <a:r>
+              <a:rPr lang="en-US" altLang="zh-CN" sz="4800" dirty="0"/>
+              <a:t>m</a:t>
+            </a:r>
+            <a:endParaRPr lang="zh-CN" altLang="en-US" sz="4800" dirty="0"/>
+          </a:p>
+        </p:txBody>
+      </p:sp>
+      <p:sp>
+        <p:nvSpPr>
+          <p:cNvPr id="13" name="文本框 5">
+            <a:extLst>
+              <a:ext uri="{FF2B5EF4-FFF2-40B4-BE49-F238E27FC236}">
+                <a16:creationId xmlns:a16="http://schemas.microsoft.com/office/drawing/2014/main" id="{464F5322-8E26-4349-8ADF-E4C18029B9A8}"/>
+              </a:ext>
+            </a:extLst>
+          </p:cNvPr>
+          <p:cNvSpPr txBox="1"/>
+          <p:nvPr/>
+        </p:nvSpPr>
+        <p:spPr>
+          <a:xfrm>
+            <a:off x="9095414" y="3624376"/>
+            <a:ext cx="453970" cy="830997"/>
+          </a:xfrm>
+          <a:prstGeom prst="rect">
+            <a:avLst/>
+          </a:prstGeom>
+          <a:noFill/>
+        </p:spPr>
+        <p:txBody>
+          <a:bodyPr wrap="none" rtlCol="0">
+            <a:spAutoFit/>
+          </a:bodyPr>
+          <a:lstStyle/>
+          <a:p>
+            <a:r>
+              <a:rPr lang="en-US" altLang="zh-CN" sz="4800" dirty="0"/>
+              <a:t>n</a:t>
+            </a:r>
+            <a:endParaRPr lang="zh-CN" altLang="en-US" sz="4800" dirty="0"/>
+          </a:p>
+        </p:txBody>
+      </p:sp>
+      <p:sp>
+        <p:nvSpPr>
+          <p:cNvPr id="14" name="文本框 5">
+            <a:extLst>
+              <a:ext uri="{FF2B5EF4-FFF2-40B4-BE49-F238E27FC236}">
+                <a16:creationId xmlns:a16="http://schemas.microsoft.com/office/drawing/2014/main" id="{A3D78742-0F80-4155-9617-3FD2C3F49320}"/>
+              </a:ext>
+            </a:extLst>
+          </p:cNvPr>
+          <p:cNvSpPr txBox="1"/>
+          <p:nvPr/>
+        </p:nvSpPr>
+        <p:spPr>
+          <a:xfrm>
+            <a:off x="6187919" y="-153953"/>
+            <a:ext cx="319318" cy="830997"/>
+          </a:xfrm>
+          <a:prstGeom prst="rect">
+            <a:avLst/>
+          </a:prstGeom>
+          <a:noFill/>
+        </p:spPr>
+        <p:txBody>
+          <a:bodyPr wrap="none" rtlCol="0">
+            <a:spAutoFit/>
+          </a:bodyPr>
+          <a:lstStyle/>
+          <a:p>
+            <a:r>
+              <a:rPr lang="en-US" altLang="zh-CN" sz="4800" dirty="0"/>
+              <a:t>l</a:t>
+            </a:r>
+            <a:endParaRPr lang="zh-CN" altLang="en-US" sz="4800" dirty="0"/>
+          </a:p>
+        </p:txBody>
+      </p:sp>
     </p:spTree>
     <p:extLst>
       <p:ext uri="{BB962C8B-B14F-4D97-AF65-F5344CB8AC3E}">
@@ -12149,7 +12366,7 @@
                                           </p:stCondLst>
                                         </p:cTn>
                                         <p:tgtEl>
-                                          <p:spTgt spid="6"/>
+                                          <p:spTgt spid="10"/>
                                         </p:tgtEl>
                                         <p:attrNameLst>
                                           <p:attrName>style.visibility</p:attrName>
@@ -12163,7 +12380,7 @@
                                       <p:cBhvr additive="base">
                                         <p:cTn id="7" dur="500" fill="hold"/>
                                         <p:tgtEl>
-                                          <p:spTgt spid="6"/>
+                                          <p:spTgt spid="10"/>
                                         </p:tgtEl>
                                         <p:attrNameLst>
                                           <p:attrName>ppt_x</p:attrName>
@@ -12186,7 +12403,7 @@
                                       <p:cBhvr additive="base">
                                         <p:cTn id="8" dur="500" fill="hold"/>
                                         <p:tgtEl>
-                                          <p:spTgt spid="6"/>
+                                          <p:spTgt spid="10"/>
                                         </p:tgtEl>
                                         <p:attrNameLst>
                                           <p:attrName>ppt_y</p:attrName>
@@ -12334,6 +12551,298 @@
                                   </p:childTnLst>
                                 </p:cTn>
                               </p:par>
+                              <p:par>
+                                <p:cTn id="18" presetID="2" presetClass="entr" presetSubtype="4" fill="hold" grpId="0" nodeType="withEffect">
+                                  <p:stCondLst>
+                                    <p:cond delay="0"/>
+                                  </p:stCondLst>
+                                  <p:childTnLst>
+                                    <p:set>
+                                      <p:cBhvr>
+                                        <p:cTn id="19" dur="1" fill="hold">
+                                          <p:stCondLst>
+                                            <p:cond delay="0"/>
+                                          </p:stCondLst>
+                                        </p:cTn>
+                                        <p:tgtEl>
+                                          <p:spTgt spid="11"/>
+                                        </p:tgtEl>
+                                        <p:attrNameLst>
+                                          <p:attrName>style.visibility</p:attrName>
+                                        </p:attrNameLst>
+                                      </p:cBhvr>
+                                      <p:to>
+                                        <p:strVal val="visible"/>
+                                      </p:to>
+                                    </p:set>
+                                    <p:anim calcmode="lin" valueType="num">
+                                      <p:cBhvr additive="base">
+                                        <p:cTn id="20" dur="500" fill="hold"/>
+                                        <p:tgtEl>
+                                          <p:spTgt spid="11"/>
+                                        </p:tgtEl>
+                                        <p:attrNameLst>
+                                          <p:attrName>ppt_x</p:attrName>
+                                        </p:attrNameLst>
+                                      </p:cBhvr>
+                                      <p:tavLst>
+                                        <p:tav tm="0">
+                                          <p:val>
+                                            <p:strVal val="#ppt_x"/>
+                                          </p:val>
+                                        </p:tav>
+                                        <p:tav tm="100000">
+                                          <p:val>
+                                            <p:strVal val="#ppt_x"/>
+                                          </p:val>
+                                        </p:tav>
+                                      </p:tavLst>
+                                    </p:anim>
+                                    <p:anim calcmode="lin" valueType="num">
+                                      <p:cBhvr additive="base">
+                                        <p:cTn id="21" dur="500" fill="hold"/>
+                                        <p:tgtEl>
+                                          <p:spTgt spid="11"/>
+                                        </p:tgtEl>
+                                        <p:attrNameLst>
+                                          <p:attrName>ppt_y</p:attrName>
+                                        </p:attrNameLst>
+                                      </p:cBhvr>
+                                      <p:tavLst>
+                                        <p:tav tm="0">
+                                          <p:val>
+                                            <p:strVal val="1+#ppt_h/2"/>
+                                          </p:val>
+                                        </p:tav>
+                                        <p:tav tm="100000">
+                                          <p:val>
+                                            <p:strVal val="#ppt_y"/>
+                                          </p:val>
+                                        </p:tav>
+                                      </p:tavLst>
+                                    </p:anim>
+                                  </p:childTnLst>
+                                </p:cTn>
+                              </p:par>
+                              <p:par>
+                                <p:cTn id="22" presetID="2" presetClass="entr" presetSubtype="4" fill="hold" grpId="0" nodeType="withEffect">
+                                  <p:stCondLst>
+                                    <p:cond delay="0"/>
+                                  </p:stCondLst>
+                                  <p:childTnLst>
+                                    <p:set>
+                                      <p:cBhvr>
+                                        <p:cTn id="23" dur="1" fill="hold">
+                                          <p:stCondLst>
+                                            <p:cond delay="0"/>
+                                          </p:stCondLst>
+                                        </p:cTn>
+                                        <p:tgtEl>
+                                          <p:spTgt spid="12"/>
+                                        </p:tgtEl>
+                                        <p:attrNameLst>
+                                          <p:attrName>style.visibility</p:attrName>
+                                        </p:attrNameLst>
+                                      </p:cBhvr>
+                                      <p:to>
+                                        <p:strVal val="visible"/>
+                                      </p:to>
+                                    </p:set>
+                                    <p:anim calcmode="lin" valueType="num">
+                                      <p:cBhvr additive="base">
+                                        <p:cTn id="24" dur="500" fill="hold"/>
+                                        <p:tgtEl>
+                                          <p:spTgt spid="12"/>
+                                        </p:tgtEl>
+                                        <p:attrNameLst>
+                                          <p:attrName>ppt_x</p:attrName>
+                                        </p:attrNameLst>
+                                      </p:cBhvr>
+                                      <p:tavLst>
+                                        <p:tav tm="0">
+                                          <p:val>
+                                            <p:strVal val="#ppt_x"/>
+                                          </p:val>
+                                        </p:tav>
+                                        <p:tav tm="100000">
+                                          <p:val>
+                                            <p:strVal val="#ppt_x"/>
+                                          </p:val>
+                                        </p:tav>
+                                      </p:tavLst>
+                                    </p:anim>
+                                    <p:anim calcmode="lin" valueType="num">
+                                      <p:cBhvr additive="base">
+                                        <p:cTn id="25" dur="500" fill="hold"/>
+                                        <p:tgtEl>
+                                          <p:spTgt spid="12"/>
+                                        </p:tgtEl>
+                                        <p:attrNameLst>
+                                          <p:attrName>ppt_y</p:attrName>
+                                        </p:attrNameLst>
+                                      </p:cBhvr>
+                                      <p:tavLst>
+                                        <p:tav tm="0">
+                                          <p:val>
+                                            <p:strVal val="1+#ppt_h/2"/>
+                                          </p:val>
+                                        </p:tav>
+                                        <p:tav tm="100000">
+                                          <p:val>
+                                            <p:strVal val="#ppt_y"/>
+                                          </p:val>
+                                        </p:tav>
+                                      </p:tavLst>
+                                    </p:anim>
+                                  </p:childTnLst>
+                                </p:cTn>
+                              </p:par>
+                              <p:par>
+                                <p:cTn id="26" presetID="2" presetClass="entr" presetSubtype="4" fill="hold" grpId="0" nodeType="withEffect">
+                                  <p:stCondLst>
+                                    <p:cond delay="0"/>
+                                  </p:stCondLst>
+                                  <p:childTnLst>
+                                    <p:set>
+                                      <p:cBhvr>
+                                        <p:cTn id="27" dur="1" fill="hold">
+                                          <p:stCondLst>
+                                            <p:cond delay="0"/>
+                                          </p:stCondLst>
+                                        </p:cTn>
+                                        <p:tgtEl>
+                                          <p:spTgt spid="13"/>
+                                        </p:tgtEl>
+                                        <p:attrNameLst>
+                                          <p:attrName>style.visibility</p:attrName>
+                                        </p:attrNameLst>
+                                      </p:cBhvr>
+                                      <p:to>
+                                        <p:strVal val="visible"/>
+                                      </p:to>
+                                    </p:set>
+                                    <p:anim calcmode="lin" valueType="num">
+                                      <p:cBhvr additive="base">
+                                        <p:cTn id="28" dur="500" fill="hold"/>
+                                        <p:tgtEl>
+                                          <p:spTgt spid="13"/>
+                                        </p:tgtEl>
+                                        <p:attrNameLst>
+                                          <p:attrName>ppt_x</p:attrName>
+                                        </p:attrNameLst>
+                                      </p:cBhvr>
+                                      <p:tavLst>
+                                        <p:tav tm="0">
+                                          <p:val>
+                                            <p:strVal val="#ppt_x"/>
+                                          </p:val>
+                                        </p:tav>
+                                        <p:tav tm="100000">
+                                          <p:val>
+                                            <p:strVal val="#ppt_x"/>
+                                          </p:val>
+                                        </p:tav>
+                                      </p:tavLst>
+                                    </p:anim>
+                                    <p:anim calcmode="lin" valueType="num">
+                                      <p:cBhvr additive="base">
+                                        <p:cTn id="29" dur="500" fill="hold"/>
+                                        <p:tgtEl>
+                                          <p:spTgt spid="13"/>
+                                        </p:tgtEl>
+                                        <p:attrNameLst>
+                                          <p:attrName>ppt_y</p:attrName>
+                                        </p:attrNameLst>
+                                      </p:cBhvr>
+                                      <p:tavLst>
+                                        <p:tav tm="0">
+                                          <p:val>
+                                            <p:strVal val="1+#ppt_h/2"/>
+                                          </p:val>
+                                        </p:tav>
+                                        <p:tav tm="100000">
+                                          <p:val>
+                                            <p:strVal val="#ppt_y"/>
+                                          </p:val>
+                                        </p:tav>
+                                      </p:tavLst>
+                                    </p:anim>
+                                  </p:childTnLst>
+                                </p:cTn>
+                              </p:par>
+                              <p:par>
+                                <p:cTn id="30" presetID="2" presetClass="entr" presetSubtype="4" fill="hold" grpId="0" nodeType="withEffect">
+                                  <p:stCondLst>
+                                    <p:cond delay="0"/>
+                                  </p:stCondLst>
+                                  <p:childTnLst>
+                                    <p:set>
+                                      <p:cBhvr>
+                                        <p:cTn id="31" dur="1" fill="hold">
+                                          <p:stCondLst>
+                                            <p:cond delay="0"/>
+                                          </p:stCondLst>
+                                        </p:cTn>
+                                        <p:tgtEl>
+                                          <p:spTgt spid="14"/>
+                                        </p:tgtEl>
+                                        <p:attrNameLst>
+                                          <p:attrName>style.visibility</p:attrName>
+                                        </p:attrNameLst>
+                                      </p:cBhvr>
+                                      <p:to>
+                                        <p:strVal val="visible"/>
+                                      </p:to>
+                                    </p:set>
+                                    <p:anim calcmode="lin" valueType="num">
+                                      <p:cBhvr additive="base">
+                                        <p:cTn id="32" dur="500" fill="hold"/>
+                                        <p:tgtEl>
+                                          <p:spTgt spid="14"/>
+                                        </p:tgtEl>
+                                        <p:attrNameLst>
+                                          <p:attrName>ppt_x</p:attrName>
+                                        </p:attrNameLst>
+                                      </p:cBhvr>
+                                      <p:tavLst>
+                                        <p:tav tm="0">
+                                          <p:val>
+                                            <p:strVal val="#ppt_x"/>
+                                          </p:val>
+                                        </p:tav>
+                                        <p:tav tm="100000">
+                                          <p:val>
+                                            <p:strVal val="#ppt_x"/>
+                                          </p:val>
+                                        </p:tav>
+                                      </p:tavLst>
+                                    </p:anim>
+                                    <p:anim calcmode="lin" valueType="num">
+                                      <p:cBhvr additive="base">
+                                        <p:cTn id="33" dur="500" fill="hold"/>
+                                        <p:tgtEl>
+                                          <p:spTgt spid="14"/>
+                                        </p:tgtEl>
+                                        <p:attrNameLst>
+                                          <p:attrName>ppt_y</p:attrName>
+                                        </p:attrNameLst>
+                                      </p:cBhvr>
+                                      <p:tavLst>
+                                        <p:tav tm="0">
+                                          <p:val>
+                                            <p:strVal val="1+#ppt_h/2"/>
+                                          </p:val>
+                                        </p:tav>
+                                        <p:tav tm="100000">
+                                          <p:val>
+                                            <p:strVal val="#ppt_y"/>
+                                          </p:val>
+                                        </p:tav>
+                                      </p:tavLst>
+                                    </p:anim>
+                                  </p:childTnLst>
+                                </p:cTn>
+                              </p:par>
                             </p:childTnLst>
                           </p:cTn>
                         </p:par>
@@ -12341,26 +12850,26 @@
                     </p:cTn>
                   </p:par>
                   <p:par>
-                    <p:cTn id="18" fill="hold">
+                    <p:cTn id="34" fill="hold">
                       <p:stCondLst>
                         <p:cond delay="indefinite"/>
                       </p:stCondLst>
                       <p:childTnLst>
                         <p:par>
-                          <p:cTn id="19" fill="hold">
+                          <p:cTn id="35" fill="hold">
                             <p:stCondLst>
                               <p:cond delay="0"/>
                             </p:stCondLst>
                             <p:childTnLst>
                               <p:par>
-                                <p:cTn id="20" presetID="10" presetClass="entr" presetSubtype="0" fill="hold" grpId="0" nodeType="clickEffect">
+                                <p:cTn id="36" presetID="10" presetClass="entr" presetSubtype="0" fill="hold" grpId="0" nodeType="clickEffect">
                                   <p:stCondLst>
                                     <p:cond delay="0"/>
                                   </p:stCondLst>
                                   <p:childTnLst>
                                     <p:set>
                                       <p:cBhvr>
-                                        <p:cTn id="21" dur="1" fill="hold">
+                                        <p:cTn id="37" dur="1" fill="hold">
                                           <p:stCondLst>
                                             <p:cond delay="0"/>
                                           </p:stCondLst>
@@ -12378,7 +12887,7 @@
                                     </p:set>
                                     <p:animEffect transition="in" filter="fade">
                                       <p:cBhvr>
-                                        <p:cTn id="22" dur="500"/>
+                                        <p:cTn id="38" dur="500"/>
                                         <p:tgtEl>
                                           <p:spTgt spid="15"/>
                                         </p:tgtEl>
@@ -12394,26 +12903,26 @@
                     </p:cTn>
                   </p:par>
                   <p:par>
-                    <p:cTn id="23" fill="hold">
+                    <p:cTn id="39" fill="hold">
                       <p:stCondLst>
                         <p:cond delay="indefinite"/>
                       </p:stCondLst>
                       <p:childTnLst>
                         <p:par>
-                          <p:cTn id="24" fill="hold">
+                          <p:cTn id="40" fill="hold">
                             <p:stCondLst>
                               <p:cond delay="0"/>
                             </p:stCondLst>
                             <p:childTnLst>
                               <p:par>
-                                <p:cTn id="25" presetID="10" presetClass="entr" presetSubtype="0" fill="hold" grpId="0" nodeType="clickEffect">
+                                <p:cTn id="41" presetID="10" presetClass="entr" presetSubtype="0" fill="hold" grpId="0" nodeType="clickEffect">
                                   <p:stCondLst>
                                     <p:cond delay="0"/>
                                   </p:stCondLst>
                                   <p:childTnLst>
                                     <p:set>
                                       <p:cBhvr>
-                                        <p:cTn id="26" dur="1" fill="hold">
+                                        <p:cTn id="42" dur="1" fill="hold">
                                           <p:stCondLst>
                                             <p:cond delay="0"/>
                                           </p:stCondLst>
@@ -12431,7 +12940,7 @@
                                     </p:set>
                                     <p:animEffect transition="in" filter="fade">
                                       <p:cBhvr>
-                                        <p:cTn id="27" dur="500"/>
+                                        <p:cTn id="43" dur="500"/>
                                         <p:tgtEl>
                                           <p:spTgt spid="8"/>
                                         </p:tgtEl>
@@ -12468,11 +12977,15 @@
       </p:par>
     </p:tnLst>
     <p:bldLst>
-      <p:bldP spid="6" grpId="0"/>
       <p:bldP spid="7" grpId="0"/>
       <p:bldP spid="8" grpId="0"/>
       <p:bldP spid="15" grpId="0" animBg="1"/>
       <p:bldP spid="9" grpId="0"/>
+      <p:bldP spid="10" grpId="0"/>
+      <p:bldP spid="11" grpId="0"/>
+      <p:bldP spid="12" grpId="0"/>
+      <p:bldP spid="13" grpId="0"/>
+      <p:bldP spid="14" grpId="0"/>
     </p:bldLst>
   </p:timing>
 </p:sld>
